--- a/docs/design_notes.pptx
+++ b/docs/design_notes.pptx
@@ -1,6 +1,6 @@
 
 <file path=ppt/presentation.xml><?xml version="1.0" encoding="utf-8"?>
-<p:presentation xmlns:a="http://schemas.openxmlformats.org/drawingml/2006/main" xmlns:r="http://schemas.openxmlformats.org/officeDocument/2006/relationships" xmlns:p="http://schemas.openxmlformats.org/presentationml/2006/main" saveSubsetFonts="1" autoCompressPictures="0">
+<p:presentation xmlns:a="http://schemas.openxmlformats.org/drawingml/2006/main" xmlns:r="http://schemas.openxmlformats.org/officeDocument/2006/relationships" xmlns:mc="http://schemas.openxmlformats.org/markup-compatibility/2006" xmlns:mv="urn:schemas-microsoft-com:mac:vml" xmlns:p="http://schemas.openxmlformats.org/presentationml/2006/main" mc:Ignorable="mv" mc:PreserveAttributes="mv:*" saveSubsetFonts="1" autoCompressPictures="0">
   <p:sldMasterIdLst>
     <p:sldMasterId id="2147483648" r:id="rId1"/>
   </p:sldMasterIdLst>
@@ -117,7 +117,7 @@
 </file>
 
 <file path=ppt/notesMasters/notesMaster1.xml><?xml version="1.0" encoding="utf-8"?>
-<p:notesMaster xmlns:a="http://schemas.openxmlformats.org/drawingml/2006/main" xmlns:r="http://schemas.openxmlformats.org/officeDocument/2006/relationships" xmlns:p="http://schemas.openxmlformats.org/presentationml/2006/main">
+<p:notesMaster xmlns:a="http://schemas.openxmlformats.org/drawingml/2006/main" xmlns:r="http://schemas.openxmlformats.org/officeDocument/2006/relationships" xmlns:mc="http://schemas.openxmlformats.org/markup-compatibility/2006" xmlns:mv="urn:schemas-microsoft-com:mac:vml" xmlns:p="http://schemas.openxmlformats.org/presentationml/2006/main" mc:Ignorable="mv" mc:PreserveAttributes="mv:*">
   <p:cSld>
     <p:bg>
       <p:bgRef idx="1001">
@@ -198,7 +198,8 @@
           <a:p>
             <a:fld id="{CBAA7E88-41D9-ED4C-B473-392C835F2F37}" type="datetimeFigureOut">
               <a:rPr lang="en-US" smtClean="0"/>
-              <a:t>10/13/13</a:t>
+              <a:pPr/>
+              <a:t>1/28/14</a:t>
             </a:fld>
             <a:endParaRPr lang="en-US"/>
           </a:p>
@@ -357,6 +358,7 @@
           <a:p>
             <a:fld id="{9BD4A673-116A-D147-9619-C6C50DEC2267}" type="slidenum">
               <a:rPr lang="en-US" smtClean="0"/>
+              <a:pPr/>
               <a:t>‹#›</a:t>
             </a:fld>
             <a:endParaRPr lang="en-US"/>
@@ -366,7 +368,7 @@
     </p:spTree>
     <p:extLst>
       <p:ext uri="{BB962C8B-B14F-4D97-AF65-F5344CB8AC3E}">
-        <p14:creationId xmlns:p14="http://schemas.microsoft.com/office/powerpoint/2010/main" val="1400139213"/>
+        <p14:creationId xmlns:p14="http://schemas.microsoft.com/office/powerpoint/2010/main" xmlns:p="http://schemas.openxmlformats.org/presentationml/2006/main" xmlns:r="http://schemas.openxmlformats.org/officeDocument/2006/relationships" xmlns:a="http://schemas.openxmlformats.org/drawingml/2006/main" xmlns="" val="1400139213"/>
       </p:ext>
     </p:extLst>
   </p:cSld>
@@ -467,7 +469,7 @@
 </file>
 
 <file path=ppt/notesSlides/notesSlide1.xml><?xml version="1.0" encoding="utf-8"?>
-<p:notes xmlns:a="http://schemas.openxmlformats.org/drawingml/2006/main" xmlns:r="http://schemas.openxmlformats.org/officeDocument/2006/relationships" xmlns:p="http://schemas.openxmlformats.org/presentationml/2006/main">
+<p:notes xmlns:a="http://schemas.openxmlformats.org/drawingml/2006/main" xmlns:r="http://schemas.openxmlformats.org/officeDocument/2006/relationships" xmlns:mc="http://schemas.openxmlformats.org/markup-compatibility/2006" xmlns:mv="urn:schemas-microsoft-com:mac:vml" xmlns:p="http://schemas.openxmlformats.org/presentationml/2006/main" mc:Ignorable="mv" mc:PreserveAttributes="mv:*">
   <p:cSld>
     <p:spTree>
       <p:nvGrpSpPr>
@@ -531,6 +533,7 @@
           <a:p>
             <a:fld id="{9BD4A673-116A-D147-9619-C6C50DEC2267}" type="slidenum">
               <a:rPr lang="en-US" smtClean="0"/>
+              <a:pPr/>
               <a:t>5</a:t>
             </a:fld>
             <a:endParaRPr lang="en-US"/>
@@ -540,7 +543,7 @@
     </p:spTree>
     <p:extLst>
       <p:ext uri="{BB962C8B-B14F-4D97-AF65-F5344CB8AC3E}">
-        <p14:creationId xmlns:p14="http://schemas.microsoft.com/office/powerpoint/2010/main" val="1598278704"/>
+        <p14:creationId xmlns:p14="http://schemas.microsoft.com/office/powerpoint/2010/main" xmlns:p="http://schemas.openxmlformats.org/presentationml/2006/main" xmlns:r="http://schemas.openxmlformats.org/officeDocument/2006/relationships" xmlns:a="http://schemas.openxmlformats.org/drawingml/2006/main" xmlns="" val="1598278704"/>
       </p:ext>
     </p:extLst>
   </p:cSld>
@@ -551,7 +554,7 @@
 </file>
 
 <file path=ppt/slideLayouts/slideLayout1.xml><?xml version="1.0" encoding="utf-8"?>
-<p:sldLayout xmlns:a="http://schemas.openxmlformats.org/drawingml/2006/main" xmlns:r="http://schemas.openxmlformats.org/officeDocument/2006/relationships" xmlns:p="http://schemas.openxmlformats.org/presentationml/2006/main" type="title" preserve="1">
+<p:sldLayout xmlns:a="http://schemas.openxmlformats.org/drawingml/2006/main" xmlns:r="http://schemas.openxmlformats.org/officeDocument/2006/relationships" xmlns:mc="http://schemas.openxmlformats.org/markup-compatibility/2006" xmlns:mv="urn:schemas-microsoft-com:mac:vml" xmlns:p="http://schemas.openxmlformats.org/presentationml/2006/main" mc:Ignorable="mv" mc:PreserveAttributes="mv:*" type="title" preserve="1">
   <p:cSld name="Title Slide">
     <p:spTree>
       <p:nvGrpSpPr>
@@ -731,7 +734,8 @@
           <a:p>
             <a:fld id="{84581DB1-9ACE-9E44-82A1-ED306B488C90}" type="datetimeFigureOut">
               <a:rPr lang="en-US" smtClean="0"/>
-              <a:t>10/13/13</a:t>
+              <a:pPr/>
+              <a:t>1/28/14</a:t>
             </a:fld>
             <a:endParaRPr lang="en-US"/>
           </a:p>
@@ -773,6 +777,7 @@
           <a:p>
             <a:fld id="{D2381373-0F9C-D24D-B7CA-66229F258C66}" type="slidenum">
               <a:rPr lang="en-US" smtClean="0"/>
+              <a:pPr/>
               <a:t>‹#›</a:t>
             </a:fld>
             <a:endParaRPr lang="en-US"/>
@@ -782,7 +787,7 @@
     </p:spTree>
     <p:extLst>
       <p:ext uri="{BB962C8B-B14F-4D97-AF65-F5344CB8AC3E}">
-        <p14:creationId xmlns:p14="http://schemas.microsoft.com/office/powerpoint/2010/main" val="2077391225"/>
+        <p14:creationId xmlns:p14="http://schemas.microsoft.com/office/powerpoint/2010/main" xmlns:p="http://schemas.openxmlformats.org/presentationml/2006/main" xmlns:r="http://schemas.openxmlformats.org/officeDocument/2006/relationships" xmlns:a="http://schemas.openxmlformats.org/drawingml/2006/main" xmlns="" val="2077391225"/>
       </p:ext>
     </p:extLst>
   </p:cSld>
@@ -793,7 +798,7 @@
 </file>
 
 <file path=ppt/slideLayouts/slideLayout10.xml><?xml version="1.0" encoding="utf-8"?>
-<p:sldLayout xmlns:a="http://schemas.openxmlformats.org/drawingml/2006/main" xmlns:r="http://schemas.openxmlformats.org/officeDocument/2006/relationships" xmlns:p="http://schemas.openxmlformats.org/presentationml/2006/main" type="vertTx" preserve="1">
+<p:sldLayout xmlns:a="http://schemas.openxmlformats.org/drawingml/2006/main" xmlns:r="http://schemas.openxmlformats.org/officeDocument/2006/relationships" xmlns:mc="http://schemas.openxmlformats.org/markup-compatibility/2006" xmlns:mv="urn:schemas-microsoft-com:mac:vml" xmlns:p="http://schemas.openxmlformats.org/presentationml/2006/main" mc:Ignorable="mv" mc:PreserveAttributes="mv:*" type="vertTx" preserve="1">
   <p:cSld name="Title and Vertical Text">
     <p:spTree>
       <p:nvGrpSpPr>
@@ -901,7 +906,8 @@
           <a:p>
             <a:fld id="{84581DB1-9ACE-9E44-82A1-ED306B488C90}" type="datetimeFigureOut">
               <a:rPr lang="en-US" smtClean="0"/>
-              <a:t>10/13/13</a:t>
+              <a:pPr/>
+              <a:t>1/28/14</a:t>
             </a:fld>
             <a:endParaRPr lang="en-US"/>
           </a:p>
@@ -943,6 +949,7 @@
           <a:p>
             <a:fld id="{D2381373-0F9C-D24D-B7CA-66229F258C66}" type="slidenum">
               <a:rPr lang="en-US" smtClean="0"/>
+              <a:pPr/>
               <a:t>‹#›</a:t>
             </a:fld>
             <a:endParaRPr lang="en-US"/>
@@ -952,7 +959,7 @@
     </p:spTree>
     <p:extLst>
       <p:ext uri="{BB962C8B-B14F-4D97-AF65-F5344CB8AC3E}">
-        <p14:creationId xmlns:p14="http://schemas.microsoft.com/office/powerpoint/2010/main" val="321853093"/>
+        <p14:creationId xmlns:p14="http://schemas.microsoft.com/office/powerpoint/2010/main" xmlns:p="http://schemas.openxmlformats.org/presentationml/2006/main" xmlns:r="http://schemas.openxmlformats.org/officeDocument/2006/relationships" xmlns:a="http://schemas.openxmlformats.org/drawingml/2006/main" xmlns="" val="321853093"/>
       </p:ext>
     </p:extLst>
   </p:cSld>
@@ -963,7 +970,7 @@
 </file>
 
 <file path=ppt/slideLayouts/slideLayout11.xml><?xml version="1.0" encoding="utf-8"?>
-<p:sldLayout xmlns:a="http://schemas.openxmlformats.org/drawingml/2006/main" xmlns:r="http://schemas.openxmlformats.org/officeDocument/2006/relationships" xmlns:p="http://schemas.openxmlformats.org/presentationml/2006/main" type="vertTitleAndTx" preserve="1">
+<p:sldLayout xmlns:a="http://schemas.openxmlformats.org/drawingml/2006/main" xmlns:r="http://schemas.openxmlformats.org/officeDocument/2006/relationships" xmlns:mc="http://schemas.openxmlformats.org/markup-compatibility/2006" xmlns:mv="urn:schemas-microsoft-com:mac:vml" xmlns:p="http://schemas.openxmlformats.org/presentationml/2006/main" mc:Ignorable="mv" mc:PreserveAttributes="mv:*" type="vertTitleAndTx" preserve="1">
   <p:cSld name="Vertical Title and Text">
     <p:spTree>
       <p:nvGrpSpPr>
@@ -1081,7 +1088,8 @@
           <a:p>
             <a:fld id="{84581DB1-9ACE-9E44-82A1-ED306B488C90}" type="datetimeFigureOut">
               <a:rPr lang="en-US" smtClean="0"/>
-              <a:t>10/13/13</a:t>
+              <a:pPr/>
+              <a:t>1/28/14</a:t>
             </a:fld>
             <a:endParaRPr lang="en-US"/>
           </a:p>
@@ -1123,6 +1131,7 @@
           <a:p>
             <a:fld id="{D2381373-0F9C-D24D-B7CA-66229F258C66}" type="slidenum">
               <a:rPr lang="en-US" smtClean="0"/>
+              <a:pPr/>
               <a:t>‹#›</a:t>
             </a:fld>
             <a:endParaRPr lang="en-US"/>
@@ -1132,7 +1141,7 @@
     </p:spTree>
     <p:extLst>
       <p:ext uri="{BB962C8B-B14F-4D97-AF65-F5344CB8AC3E}">
-        <p14:creationId xmlns:p14="http://schemas.microsoft.com/office/powerpoint/2010/main" val="1616031422"/>
+        <p14:creationId xmlns:p14="http://schemas.microsoft.com/office/powerpoint/2010/main" xmlns:p="http://schemas.openxmlformats.org/presentationml/2006/main" xmlns:r="http://schemas.openxmlformats.org/officeDocument/2006/relationships" xmlns:a="http://schemas.openxmlformats.org/drawingml/2006/main" xmlns="" val="1616031422"/>
       </p:ext>
     </p:extLst>
   </p:cSld>
@@ -1143,7 +1152,7 @@
 </file>
 
 <file path=ppt/slideLayouts/slideLayout2.xml><?xml version="1.0" encoding="utf-8"?>
-<p:sldLayout xmlns:a="http://schemas.openxmlformats.org/drawingml/2006/main" xmlns:r="http://schemas.openxmlformats.org/officeDocument/2006/relationships" xmlns:p="http://schemas.openxmlformats.org/presentationml/2006/main" type="obj" preserve="1">
+<p:sldLayout xmlns:a="http://schemas.openxmlformats.org/drawingml/2006/main" xmlns:r="http://schemas.openxmlformats.org/officeDocument/2006/relationships" xmlns:mc="http://schemas.openxmlformats.org/markup-compatibility/2006" xmlns:mv="urn:schemas-microsoft-com:mac:vml" xmlns:p="http://schemas.openxmlformats.org/presentationml/2006/main" mc:Ignorable="mv" mc:PreserveAttributes="mv:*" type="obj" preserve="1">
   <p:cSld name="Title and Content">
     <p:spTree>
       <p:nvGrpSpPr>
@@ -1251,7 +1260,8 @@
           <a:p>
             <a:fld id="{84581DB1-9ACE-9E44-82A1-ED306B488C90}" type="datetimeFigureOut">
               <a:rPr lang="en-US" smtClean="0"/>
-              <a:t>10/13/13</a:t>
+              <a:pPr/>
+              <a:t>1/28/14</a:t>
             </a:fld>
             <a:endParaRPr lang="en-US"/>
           </a:p>
@@ -1293,6 +1303,7 @@
           <a:p>
             <a:fld id="{D2381373-0F9C-D24D-B7CA-66229F258C66}" type="slidenum">
               <a:rPr lang="en-US" smtClean="0"/>
+              <a:pPr/>
               <a:t>‹#›</a:t>
             </a:fld>
             <a:endParaRPr lang="en-US"/>
@@ -1302,7 +1313,7 @@
     </p:spTree>
     <p:extLst>
       <p:ext uri="{BB962C8B-B14F-4D97-AF65-F5344CB8AC3E}">
-        <p14:creationId xmlns:p14="http://schemas.microsoft.com/office/powerpoint/2010/main" val="1787072354"/>
+        <p14:creationId xmlns:p14="http://schemas.microsoft.com/office/powerpoint/2010/main" xmlns:p="http://schemas.openxmlformats.org/presentationml/2006/main" xmlns:r="http://schemas.openxmlformats.org/officeDocument/2006/relationships" xmlns:a="http://schemas.openxmlformats.org/drawingml/2006/main" xmlns="" val="1787072354"/>
       </p:ext>
     </p:extLst>
   </p:cSld>
@@ -1313,7 +1324,7 @@
 </file>
 
 <file path=ppt/slideLayouts/slideLayout3.xml><?xml version="1.0" encoding="utf-8"?>
-<p:sldLayout xmlns:a="http://schemas.openxmlformats.org/drawingml/2006/main" xmlns:r="http://schemas.openxmlformats.org/officeDocument/2006/relationships" xmlns:p="http://schemas.openxmlformats.org/presentationml/2006/main" type="secHead" preserve="1">
+<p:sldLayout xmlns:a="http://schemas.openxmlformats.org/drawingml/2006/main" xmlns:r="http://schemas.openxmlformats.org/officeDocument/2006/relationships" xmlns:mc="http://schemas.openxmlformats.org/markup-compatibility/2006" xmlns:mv="urn:schemas-microsoft-com:mac:vml" xmlns:p="http://schemas.openxmlformats.org/presentationml/2006/main" mc:Ignorable="mv" mc:PreserveAttributes="mv:*" type="secHead" preserve="1">
   <p:cSld name="Section Header">
     <p:spTree>
       <p:nvGrpSpPr>
@@ -1497,7 +1508,8 @@
           <a:p>
             <a:fld id="{84581DB1-9ACE-9E44-82A1-ED306B488C90}" type="datetimeFigureOut">
               <a:rPr lang="en-US" smtClean="0"/>
-              <a:t>10/13/13</a:t>
+              <a:pPr/>
+              <a:t>1/28/14</a:t>
             </a:fld>
             <a:endParaRPr lang="en-US"/>
           </a:p>
@@ -1539,6 +1551,7 @@
           <a:p>
             <a:fld id="{D2381373-0F9C-D24D-B7CA-66229F258C66}" type="slidenum">
               <a:rPr lang="en-US" smtClean="0"/>
+              <a:pPr/>
               <a:t>‹#›</a:t>
             </a:fld>
             <a:endParaRPr lang="en-US"/>
@@ -1548,7 +1561,7 @@
     </p:spTree>
     <p:extLst>
       <p:ext uri="{BB962C8B-B14F-4D97-AF65-F5344CB8AC3E}">
-        <p14:creationId xmlns:p14="http://schemas.microsoft.com/office/powerpoint/2010/main" val="3242908081"/>
+        <p14:creationId xmlns:p14="http://schemas.microsoft.com/office/powerpoint/2010/main" xmlns:p="http://schemas.openxmlformats.org/presentationml/2006/main" xmlns:r="http://schemas.openxmlformats.org/officeDocument/2006/relationships" xmlns:a="http://schemas.openxmlformats.org/drawingml/2006/main" xmlns="" val="3242908081"/>
       </p:ext>
     </p:extLst>
   </p:cSld>
@@ -1559,7 +1572,7 @@
 </file>
 
 <file path=ppt/slideLayouts/slideLayout4.xml><?xml version="1.0" encoding="utf-8"?>
-<p:sldLayout xmlns:a="http://schemas.openxmlformats.org/drawingml/2006/main" xmlns:r="http://schemas.openxmlformats.org/officeDocument/2006/relationships" xmlns:p="http://schemas.openxmlformats.org/presentationml/2006/main" type="twoObj" preserve="1">
+<p:sldLayout xmlns:a="http://schemas.openxmlformats.org/drawingml/2006/main" xmlns:r="http://schemas.openxmlformats.org/officeDocument/2006/relationships" xmlns:mc="http://schemas.openxmlformats.org/markup-compatibility/2006" xmlns:mv="urn:schemas-microsoft-com:mac:vml" xmlns:p="http://schemas.openxmlformats.org/presentationml/2006/main" mc:Ignorable="mv" mc:PreserveAttributes="mv:*" type="twoObj" preserve="1">
   <p:cSld name="Two Content">
     <p:spTree>
       <p:nvGrpSpPr>
@@ -1785,7 +1798,8 @@
           <a:p>
             <a:fld id="{84581DB1-9ACE-9E44-82A1-ED306B488C90}" type="datetimeFigureOut">
               <a:rPr lang="en-US" smtClean="0"/>
-              <a:t>10/13/13</a:t>
+              <a:pPr/>
+              <a:t>1/28/14</a:t>
             </a:fld>
             <a:endParaRPr lang="en-US"/>
           </a:p>
@@ -1827,6 +1841,7 @@
           <a:p>
             <a:fld id="{D2381373-0F9C-D24D-B7CA-66229F258C66}" type="slidenum">
               <a:rPr lang="en-US" smtClean="0"/>
+              <a:pPr/>
               <a:t>‹#›</a:t>
             </a:fld>
             <a:endParaRPr lang="en-US"/>
@@ -1836,7 +1851,7 @@
     </p:spTree>
     <p:extLst>
       <p:ext uri="{BB962C8B-B14F-4D97-AF65-F5344CB8AC3E}">
-        <p14:creationId xmlns:p14="http://schemas.microsoft.com/office/powerpoint/2010/main" val="938301407"/>
+        <p14:creationId xmlns:p14="http://schemas.microsoft.com/office/powerpoint/2010/main" xmlns:p="http://schemas.openxmlformats.org/presentationml/2006/main" xmlns:r="http://schemas.openxmlformats.org/officeDocument/2006/relationships" xmlns:a="http://schemas.openxmlformats.org/drawingml/2006/main" xmlns="" val="938301407"/>
       </p:ext>
     </p:extLst>
   </p:cSld>
@@ -1847,7 +1862,7 @@
 </file>
 
 <file path=ppt/slideLayouts/slideLayout5.xml><?xml version="1.0" encoding="utf-8"?>
-<p:sldLayout xmlns:a="http://schemas.openxmlformats.org/drawingml/2006/main" xmlns:r="http://schemas.openxmlformats.org/officeDocument/2006/relationships" xmlns:p="http://schemas.openxmlformats.org/presentationml/2006/main" type="twoTxTwoObj" preserve="1">
+<p:sldLayout xmlns:a="http://schemas.openxmlformats.org/drawingml/2006/main" xmlns:r="http://schemas.openxmlformats.org/officeDocument/2006/relationships" xmlns:mc="http://schemas.openxmlformats.org/markup-compatibility/2006" xmlns:mv="urn:schemas-microsoft-com:mac:vml" xmlns:p="http://schemas.openxmlformats.org/presentationml/2006/main" mc:Ignorable="mv" mc:PreserveAttributes="mv:*" type="twoTxTwoObj" preserve="1">
   <p:cSld name="Comparison">
     <p:spTree>
       <p:nvGrpSpPr>
@@ -2207,7 +2222,8 @@
           <a:p>
             <a:fld id="{84581DB1-9ACE-9E44-82A1-ED306B488C90}" type="datetimeFigureOut">
               <a:rPr lang="en-US" smtClean="0"/>
-              <a:t>10/13/13</a:t>
+              <a:pPr/>
+              <a:t>1/28/14</a:t>
             </a:fld>
             <a:endParaRPr lang="en-US"/>
           </a:p>
@@ -2249,6 +2265,7 @@
           <a:p>
             <a:fld id="{D2381373-0F9C-D24D-B7CA-66229F258C66}" type="slidenum">
               <a:rPr lang="en-US" smtClean="0"/>
+              <a:pPr/>
               <a:t>‹#›</a:t>
             </a:fld>
             <a:endParaRPr lang="en-US"/>
@@ -2258,7 +2275,7 @@
     </p:spTree>
     <p:extLst>
       <p:ext uri="{BB962C8B-B14F-4D97-AF65-F5344CB8AC3E}">
-        <p14:creationId xmlns:p14="http://schemas.microsoft.com/office/powerpoint/2010/main" val="3835853524"/>
+        <p14:creationId xmlns:p14="http://schemas.microsoft.com/office/powerpoint/2010/main" xmlns:p="http://schemas.openxmlformats.org/presentationml/2006/main" xmlns:r="http://schemas.openxmlformats.org/officeDocument/2006/relationships" xmlns:a="http://schemas.openxmlformats.org/drawingml/2006/main" xmlns="" val="3835853524"/>
       </p:ext>
     </p:extLst>
   </p:cSld>
@@ -2269,7 +2286,7 @@
 </file>
 
 <file path=ppt/slideLayouts/slideLayout6.xml><?xml version="1.0" encoding="utf-8"?>
-<p:sldLayout xmlns:a="http://schemas.openxmlformats.org/drawingml/2006/main" xmlns:r="http://schemas.openxmlformats.org/officeDocument/2006/relationships" xmlns:p="http://schemas.openxmlformats.org/presentationml/2006/main" type="titleOnly" preserve="1">
+<p:sldLayout xmlns:a="http://schemas.openxmlformats.org/drawingml/2006/main" xmlns:r="http://schemas.openxmlformats.org/officeDocument/2006/relationships" xmlns:mc="http://schemas.openxmlformats.org/markup-compatibility/2006" xmlns:mv="urn:schemas-microsoft-com:mac:vml" xmlns:p="http://schemas.openxmlformats.org/presentationml/2006/main" mc:Ignorable="mv" mc:PreserveAttributes="mv:*" type="titleOnly" preserve="1">
   <p:cSld name="Title Only">
     <p:spTree>
       <p:nvGrpSpPr>
@@ -2325,7 +2342,8 @@
           <a:p>
             <a:fld id="{84581DB1-9ACE-9E44-82A1-ED306B488C90}" type="datetimeFigureOut">
               <a:rPr lang="en-US" smtClean="0"/>
-              <a:t>10/13/13</a:t>
+              <a:pPr/>
+              <a:t>1/28/14</a:t>
             </a:fld>
             <a:endParaRPr lang="en-US"/>
           </a:p>
@@ -2367,6 +2385,7 @@
           <a:p>
             <a:fld id="{D2381373-0F9C-D24D-B7CA-66229F258C66}" type="slidenum">
               <a:rPr lang="en-US" smtClean="0"/>
+              <a:pPr/>
               <a:t>‹#›</a:t>
             </a:fld>
             <a:endParaRPr lang="en-US"/>
@@ -2376,7 +2395,7 @@
     </p:spTree>
     <p:extLst>
       <p:ext uri="{BB962C8B-B14F-4D97-AF65-F5344CB8AC3E}">
-        <p14:creationId xmlns:p14="http://schemas.microsoft.com/office/powerpoint/2010/main" val="2695570029"/>
+        <p14:creationId xmlns:p14="http://schemas.microsoft.com/office/powerpoint/2010/main" xmlns:p="http://schemas.openxmlformats.org/presentationml/2006/main" xmlns:r="http://schemas.openxmlformats.org/officeDocument/2006/relationships" xmlns:a="http://schemas.openxmlformats.org/drawingml/2006/main" xmlns="" val="2695570029"/>
       </p:ext>
     </p:extLst>
   </p:cSld>
@@ -2387,7 +2406,7 @@
 </file>
 
 <file path=ppt/slideLayouts/slideLayout7.xml><?xml version="1.0" encoding="utf-8"?>
-<p:sldLayout xmlns:a="http://schemas.openxmlformats.org/drawingml/2006/main" xmlns:r="http://schemas.openxmlformats.org/officeDocument/2006/relationships" xmlns:p="http://schemas.openxmlformats.org/presentationml/2006/main" type="blank" preserve="1">
+<p:sldLayout xmlns:a="http://schemas.openxmlformats.org/drawingml/2006/main" xmlns:r="http://schemas.openxmlformats.org/officeDocument/2006/relationships" xmlns:mc="http://schemas.openxmlformats.org/markup-compatibility/2006" xmlns:mv="urn:schemas-microsoft-com:mac:vml" xmlns:p="http://schemas.openxmlformats.org/presentationml/2006/main" mc:Ignorable="mv" mc:PreserveAttributes="mv:*" type="blank" preserve="1">
   <p:cSld name="Blank">
     <p:spTree>
       <p:nvGrpSpPr>
@@ -2420,7 +2439,8 @@
           <a:p>
             <a:fld id="{84581DB1-9ACE-9E44-82A1-ED306B488C90}" type="datetimeFigureOut">
               <a:rPr lang="en-US" smtClean="0"/>
-              <a:t>10/13/13</a:t>
+              <a:pPr/>
+              <a:t>1/28/14</a:t>
             </a:fld>
             <a:endParaRPr lang="en-US"/>
           </a:p>
@@ -2462,6 +2482,7 @@
           <a:p>
             <a:fld id="{D2381373-0F9C-D24D-B7CA-66229F258C66}" type="slidenum">
               <a:rPr lang="en-US" smtClean="0"/>
+              <a:pPr/>
               <a:t>‹#›</a:t>
             </a:fld>
             <a:endParaRPr lang="en-US"/>
@@ -2471,7 +2492,7 @@
     </p:spTree>
     <p:extLst>
       <p:ext uri="{BB962C8B-B14F-4D97-AF65-F5344CB8AC3E}">
-        <p14:creationId xmlns:p14="http://schemas.microsoft.com/office/powerpoint/2010/main" val="3427821295"/>
+        <p14:creationId xmlns:p14="http://schemas.microsoft.com/office/powerpoint/2010/main" xmlns:p="http://schemas.openxmlformats.org/presentationml/2006/main" xmlns:r="http://schemas.openxmlformats.org/officeDocument/2006/relationships" xmlns:a="http://schemas.openxmlformats.org/drawingml/2006/main" xmlns="" val="3427821295"/>
       </p:ext>
     </p:extLst>
   </p:cSld>
@@ -2482,7 +2503,7 @@
 </file>
 
 <file path=ppt/slideLayouts/slideLayout8.xml><?xml version="1.0" encoding="utf-8"?>
-<p:sldLayout xmlns:a="http://schemas.openxmlformats.org/drawingml/2006/main" xmlns:r="http://schemas.openxmlformats.org/officeDocument/2006/relationships" xmlns:p="http://schemas.openxmlformats.org/presentationml/2006/main" type="objTx" preserve="1">
+<p:sldLayout xmlns:a="http://schemas.openxmlformats.org/drawingml/2006/main" xmlns:r="http://schemas.openxmlformats.org/officeDocument/2006/relationships" xmlns:mc="http://schemas.openxmlformats.org/markup-compatibility/2006" xmlns:mv="urn:schemas-microsoft-com:mac:vml" xmlns:p="http://schemas.openxmlformats.org/presentationml/2006/main" mc:Ignorable="mv" mc:PreserveAttributes="mv:*" type="objTx" preserve="1">
   <p:cSld name="Content with Caption">
     <p:spTree>
       <p:nvGrpSpPr>
@@ -2697,7 +2718,8 @@
           <a:p>
             <a:fld id="{84581DB1-9ACE-9E44-82A1-ED306B488C90}" type="datetimeFigureOut">
               <a:rPr lang="en-US" smtClean="0"/>
-              <a:t>10/13/13</a:t>
+              <a:pPr/>
+              <a:t>1/28/14</a:t>
             </a:fld>
             <a:endParaRPr lang="en-US"/>
           </a:p>
@@ -2739,6 +2761,7 @@
           <a:p>
             <a:fld id="{D2381373-0F9C-D24D-B7CA-66229F258C66}" type="slidenum">
               <a:rPr lang="en-US" smtClean="0"/>
+              <a:pPr/>
               <a:t>‹#›</a:t>
             </a:fld>
             <a:endParaRPr lang="en-US"/>
@@ -2748,7 +2771,7 @@
     </p:spTree>
     <p:extLst>
       <p:ext uri="{BB962C8B-B14F-4D97-AF65-F5344CB8AC3E}">
-        <p14:creationId xmlns:p14="http://schemas.microsoft.com/office/powerpoint/2010/main" val="1990505725"/>
+        <p14:creationId xmlns:p14="http://schemas.microsoft.com/office/powerpoint/2010/main" xmlns:p="http://schemas.openxmlformats.org/presentationml/2006/main" xmlns:r="http://schemas.openxmlformats.org/officeDocument/2006/relationships" xmlns:a="http://schemas.openxmlformats.org/drawingml/2006/main" xmlns="" val="1990505725"/>
       </p:ext>
     </p:extLst>
   </p:cSld>
@@ -2759,7 +2782,7 @@
 </file>
 
 <file path=ppt/slideLayouts/slideLayout9.xml><?xml version="1.0" encoding="utf-8"?>
-<p:sldLayout xmlns:a="http://schemas.openxmlformats.org/drawingml/2006/main" xmlns:r="http://schemas.openxmlformats.org/officeDocument/2006/relationships" xmlns:p="http://schemas.openxmlformats.org/presentationml/2006/main" type="picTx" preserve="1">
+<p:sldLayout xmlns:a="http://schemas.openxmlformats.org/drawingml/2006/main" xmlns:r="http://schemas.openxmlformats.org/officeDocument/2006/relationships" xmlns:mc="http://schemas.openxmlformats.org/markup-compatibility/2006" xmlns:mv="urn:schemas-microsoft-com:mac:vml" xmlns:p="http://schemas.openxmlformats.org/presentationml/2006/main" mc:Ignorable="mv" mc:PreserveAttributes="mv:*" type="picTx" preserve="1">
   <p:cSld name="Picture with Caption">
     <p:spTree>
       <p:nvGrpSpPr>
@@ -2950,7 +2973,8 @@
           <a:p>
             <a:fld id="{84581DB1-9ACE-9E44-82A1-ED306B488C90}" type="datetimeFigureOut">
               <a:rPr lang="en-US" smtClean="0"/>
-              <a:t>10/13/13</a:t>
+              <a:pPr/>
+              <a:t>1/28/14</a:t>
             </a:fld>
             <a:endParaRPr lang="en-US"/>
           </a:p>
@@ -2992,6 +3016,7 @@
           <a:p>
             <a:fld id="{D2381373-0F9C-D24D-B7CA-66229F258C66}" type="slidenum">
               <a:rPr lang="en-US" smtClean="0"/>
+              <a:pPr/>
               <a:t>‹#›</a:t>
             </a:fld>
             <a:endParaRPr lang="en-US"/>
@@ -3001,7 +3026,7 @@
     </p:spTree>
     <p:extLst>
       <p:ext uri="{BB962C8B-B14F-4D97-AF65-F5344CB8AC3E}">
-        <p14:creationId xmlns:p14="http://schemas.microsoft.com/office/powerpoint/2010/main" val="1326450128"/>
+        <p14:creationId xmlns:p14="http://schemas.microsoft.com/office/powerpoint/2010/main" xmlns:p="http://schemas.openxmlformats.org/presentationml/2006/main" xmlns:r="http://schemas.openxmlformats.org/officeDocument/2006/relationships" xmlns:a="http://schemas.openxmlformats.org/drawingml/2006/main" xmlns="" val="1326450128"/>
       </p:ext>
     </p:extLst>
   </p:cSld>
@@ -3012,7 +3037,7 @@
 </file>
 
 <file path=ppt/slideMasters/slideMaster1.xml><?xml version="1.0" encoding="utf-8"?>
-<p:sldMaster xmlns:a="http://schemas.openxmlformats.org/drawingml/2006/main" xmlns:r="http://schemas.openxmlformats.org/officeDocument/2006/relationships" xmlns:p="http://schemas.openxmlformats.org/presentationml/2006/main">
+<p:sldMaster xmlns:a="http://schemas.openxmlformats.org/drawingml/2006/main" xmlns:r="http://schemas.openxmlformats.org/officeDocument/2006/relationships" xmlns:mc="http://schemas.openxmlformats.org/markup-compatibility/2006" xmlns:mv="urn:schemas-microsoft-com:mac:vml" xmlns:p="http://schemas.openxmlformats.org/presentationml/2006/main" mc:Ignorable="mv" mc:PreserveAttributes="mv:*">
   <p:cSld>
     <p:bg>
       <p:bgRef idx="1001">
@@ -3163,7 +3188,8 @@
           <a:p>
             <a:fld id="{84581DB1-9ACE-9E44-82A1-ED306B488C90}" type="datetimeFigureOut">
               <a:rPr lang="en-US" smtClean="0"/>
-              <a:t>10/13/13</a:t>
+              <a:pPr/>
+              <a:t>1/28/14</a:t>
             </a:fld>
             <a:endParaRPr lang="en-US"/>
           </a:p>
@@ -3241,6 +3267,7 @@
           <a:p>
             <a:fld id="{D2381373-0F9C-D24D-B7CA-66229F258C66}" type="slidenum">
               <a:rPr lang="en-US" smtClean="0"/>
+              <a:pPr/>
               <a:t>‹#›</a:t>
             </a:fld>
             <a:endParaRPr lang="en-US"/>
@@ -3250,7 +3277,7 @@
     </p:spTree>
     <p:extLst>
       <p:ext uri="{BB962C8B-B14F-4D97-AF65-F5344CB8AC3E}">
-        <p14:creationId xmlns:p14="http://schemas.microsoft.com/office/powerpoint/2010/main" val="2343865403"/>
+        <p14:creationId xmlns:p14="http://schemas.microsoft.com/office/powerpoint/2010/main" xmlns:p="http://schemas.openxmlformats.org/presentationml/2006/main" xmlns:r="http://schemas.openxmlformats.org/officeDocument/2006/relationships" xmlns:a="http://schemas.openxmlformats.org/drawingml/2006/main" xmlns="" val="2343865403"/>
       </p:ext>
     </p:extLst>
   </p:cSld>
@@ -3522,7 +3549,7 @@
 </file>
 
 <file path=ppt/slides/slide1.xml><?xml version="1.0" encoding="utf-8"?>
-<p:sld xmlns:a="http://schemas.openxmlformats.org/drawingml/2006/main" xmlns:r="http://schemas.openxmlformats.org/officeDocument/2006/relationships" xmlns:p="http://schemas.openxmlformats.org/presentationml/2006/main">
+<p:sld xmlns:a="http://schemas.openxmlformats.org/drawingml/2006/main" xmlns:r="http://schemas.openxmlformats.org/officeDocument/2006/relationships" xmlns:mc="http://schemas.openxmlformats.org/markup-compatibility/2006" xmlns:mv="urn:schemas-microsoft-com:mac:vml" xmlns:p="http://schemas.openxmlformats.org/presentationml/2006/main" mc:Ignorable="mv" mc:PreserveAttributes="mv:*">
   <p:cSld>
     <p:spTree>
       <p:nvGrpSpPr>
@@ -3583,7 +3610,7 @@
     </p:spTree>
     <p:extLst>
       <p:ext uri="{BB962C8B-B14F-4D97-AF65-F5344CB8AC3E}">
-        <p14:creationId xmlns:p14="http://schemas.microsoft.com/office/powerpoint/2010/main" val="2755494729"/>
+        <p14:creationId xmlns:p14="http://schemas.microsoft.com/office/powerpoint/2010/main" xmlns:p="http://schemas.openxmlformats.org/presentationml/2006/main" xmlns:r="http://schemas.openxmlformats.org/officeDocument/2006/relationships" xmlns:a="http://schemas.openxmlformats.org/drawingml/2006/main" xmlns="" val="2755494729"/>
       </p:ext>
     </p:extLst>
   </p:cSld>
@@ -3593,7 +3620,7 @@
   <p:timing>
     <p:tnLst>
       <p:par>
-        <p:cTn xmlns:p14="http://schemas.microsoft.com/office/powerpoint/2010/main" id="1" dur="indefinite" restart="never" nodeType="tmRoot"/>
+        <p:cTn id="1" dur="indefinite" restart="never" nodeType="tmRoot"/>
       </p:par>
     </p:tnLst>
   </p:timing>
@@ -3601,7 +3628,7 @@
 </file>
 
 <file path=ppt/slides/slide2.xml><?xml version="1.0" encoding="utf-8"?>
-<p:sld xmlns:a="http://schemas.openxmlformats.org/drawingml/2006/main" xmlns:r="http://schemas.openxmlformats.org/officeDocument/2006/relationships" xmlns:p="http://schemas.openxmlformats.org/presentationml/2006/main">
+<p:sld xmlns:a="http://schemas.openxmlformats.org/drawingml/2006/main" xmlns:r="http://schemas.openxmlformats.org/officeDocument/2006/relationships" xmlns:mc="http://schemas.openxmlformats.org/markup-compatibility/2006" xmlns:mv="urn:schemas-microsoft-com:mac:vml" xmlns:p="http://schemas.openxmlformats.org/presentationml/2006/main" mc:Ignorable="mv" mc:PreserveAttributes="mv:*">
   <p:cSld>
     <p:spTree>
       <p:nvGrpSpPr>
@@ -4058,7 +4085,7 @@
     </p:spTree>
     <p:extLst>
       <p:ext uri="{BB962C8B-B14F-4D97-AF65-F5344CB8AC3E}">
-        <p14:creationId xmlns:p14="http://schemas.microsoft.com/office/powerpoint/2010/main" val="2362023653"/>
+        <p14:creationId xmlns:p14="http://schemas.microsoft.com/office/powerpoint/2010/main" xmlns:p="http://schemas.openxmlformats.org/presentationml/2006/main" xmlns:r="http://schemas.openxmlformats.org/officeDocument/2006/relationships" xmlns:a="http://schemas.openxmlformats.org/drawingml/2006/main" xmlns="" val="2362023653"/>
       </p:ext>
     </p:extLst>
   </p:cSld>
@@ -4068,7 +4095,7 @@
   <p:timing>
     <p:tnLst>
       <p:par>
-        <p:cTn xmlns:p14="http://schemas.microsoft.com/office/powerpoint/2010/main" id="1" dur="indefinite" restart="never" nodeType="tmRoot">
+        <p:cTn id="1" dur="indefinite" restart="never" nodeType="tmRoot">
           <p:childTnLst>
             <p:seq concurrent="1" nextAc="seek">
               <p:cTn id="2" dur="indefinite" nodeType="mainSeq">
@@ -4138,7 +4165,7 @@
 </file>
 
 <file path=ppt/slides/slide3.xml><?xml version="1.0" encoding="utf-8"?>
-<p:sld xmlns:a="http://schemas.openxmlformats.org/drawingml/2006/main" xmlns:r="http://schemas.openxmlformats.org/officeDocument/2006/relationships" xmlns:p="http://schemas.openxmlformats.org/presentationml/2006/main">
+<p:sld xmlns:a="http://schemas.openxmlformats.org/drawingml/2006/main" xmlns:r="http://schemas.openxmlformats.org/officeDocument/2006/relationships" xmlns:mc="http://schemas.openxmlformats.org/markup-compatibility/2006" xmlns:mv="urn:schemas-microsoft-com:mac:vml" xmlns:p="http://schemas.openxmlformats.org/presentationml/2006/main" mc:Ignorable="mv" mc:PreserveAttributes="mv:*">
   <p:cSld>
     <p:spTree>
       <p:nvGrpSpPr>
@@ -4192,10 +4219,10 @@
           <a:p>
             <a:pPr algn="ctr"/>
             <a:r>
-              <a:rPr lang="en-US" sz="4400" dirty="0" smtClean="0"/>
-              <a:t>Domain B</a:t>
-            </a:r>
-            <a:endParaRPr lang="en-US" dirty="0"/>
+              <a:rPr lang="en-US" sz="4400" smtClean="0"/>
+              <a:t>Trust Domain</a:t>
+            </a:r>
+            <a:endParaRPr lang="en-US" dirty="0" smtClean="0"/>
           </a:p>
           <a:p>
             <a:pPr algn="ctr"/>
@@ -4518,7 +4545,7 @@
     </p:spTree>
     <p:extLst>
       <p:ext uri="{BB962C8B-B14F-4D97-AF65-F5344CB8AC3E}">
-        <p14:creationId xmlns:p14="http://schemas.microsoft.com/office/powerpoint/2010/main" val="3217054450"/>
+        <p14:creationId xmlns:p14="http://schemas.microsoft.com/office/powerpoint/2010/main" xmlns:p="http://schemas.openxmlformats.org/presentationml/2006/main" xmlns:r="http://schemas.openxmlformats.org/officeDocument/2006/relationships" xmlns:a="http://schemas.openxmlformats.org/drawingml/2006/main" xmlns="" val="3217054450"/>
       </p:ext>
     </p:extLst>
   </p:cSld>
@@ -4528,7 +4555,7 @@
   <p:timing>
     <p:tnLst>
       <p:par>
-        <p:cTn xmlns:p14="http://schemas.microsoft.com/office/powerpoint/2010/main" id="1" dur="indefinite" restart="never" nodeType="tmRoot"/>
+        <p:cTn id="1" dur="indefinite" restart="never" nodeType="tmRoot"/>
       </p:par>
     </p:tnLst>
   </p:timing>
@@ -4536,7 +4563,7 @@
 </file>
 
 <file path=ppt/slides/slide4.xml><?xml version="1.0" encoding="utf-8"?>
-<p:sld xmlns:a="http://schemas.openxmlformats.org/drawingml/2006/main" xmlns:r="http://schemas.openxmlformats.org/officeDocument/2006/relationships" xmlns:p="http://schemas.openxmlformats.org/presentationml/2006/main">
+<p:sld xmlns:a="http://schemas.openxmlformats.org/drawingml/2006/main" xmlns:r="http://schemas.openxmlformats.org/officeDocument/2006/relationships" xmlns:mc="http://schemas.openxmlformats.org/markup-compatibility/2006" xmlns:mv="urn:schemas-microsoft-com:mac:vml" xmlns:p="http://schemas.openxmlformats.org/presentationml/2006/main" mc:Ignorable="mv" mc:PreserveAttributes="mv:*">
   <p:cSld>
     <p:spTree>
       <p:nvGrpSpPr>
@@ -4634,7 +4661,7 @@
     </p:spTree>
     <p:extLst>
       <p:ext uri="{BB962C8B-B14F-4D97-AF65-F5344CB8AC3E}">
-        <p14:creationId xmlns:p14="http://schemas.microsoft.com/office/powerpoint/2010/main" val="1152293555"/>
+        <p14:creationId xmlns:p14="http://schemas.microsoft.com/office/powerpoint/2010/main" xmlns:p="http://schemas.openxmlformats.org/presentationml/2006/main" xmlns:r="http://schemas.openxmlformats.org/officeDocument/2006/relationships" xmlns:a="http://schemas.openxmlformats.org/drawingml/2006/main" xmlns="" val="1152293555"/>
       </p:ext>
     </p:extLst>
   </p:cSld>
@@ -4644,7 +4671,7 @@
   <p:timing>
     <p:tnLst>
       <p:par>
-        <p:cTn xmlns:p14="http://schemas.microsoft.com/office/powerpoint/2010/main" id="1" dur="indefinite" restart="never" nodeType="tmRoot"/>
+        <p:cTn id="1" dur="indefinite" restart="never" nodeType="tmRoot"/>
       </p:par>
     </p:tnLst>
   </p:timing>
@@ -4652,7 +4679,7 @@
 </file>
 
 <file path=ppt/slides/slide5.xml><?xml version="1.0" encoding="utf-8"?>
-<p:sld xmlns:a="http://schemas.openxmlformats.org/drawingml/2006/main" xmlns:r="http://schemas.openxmlformats.org/officeDocument/2006/relationships" xmlns:p="http://schemas.openxmlformats.org/presentationml/2006/main">
+<p:sld xmlns:a="http://schemas.openxmlformats.org/drawingml/2006/main" xmlns:r="http://schemas.openxmlformats.org/officeDocument/2006/relationships" xmlns:mc="http://schemas.openxmlformats.org/markup-compatibility/2006" xmlns:mv="urn:schemas-microsoft-com:mac:vml" xmlns:p="http://schemas.openxmlformats.org/presentationml/2006/main" mc:Ignorable="mv" mc:PreserveAttributes="mv:*">
   <p:cSld>
     <p:spTree>
       <p:nvGrpSpPr>
@@ -5143,71 +5170,10 @@
           </a:fontRef>
         </p:style>
       </p:cxnSp>
-      <p:sp>
-        <p:nvSpPr>
-          <p:cNvPr id="19" name="TextBox 18"/>
-          <p:cNvSpPr txBox="1"/>
-          <p:nvPr/>
-        </p:nvSpPr>
-        <p:spPr>
-          <a:xfrm>
-            <a:off x="144696" y="4340252"/>
-            <a:ext cx="2154357" cy="646331"/>
-          </a:xfrm>
-          <a:prstGeom prst="rect">
-            <a:avLst/>
-          </a:prstGeom>
-          <a:noFill/>
-        </p:spPr>
-        <p:txBody>
-          <a:bodyPr wrap="square" rtlCol="0">
-            <a:spAutoFit/>
-          </a:bodyPr>
-          <a:lstStyle/>
-          <a:p>
-            <a:pPr marL="342900" indent="-342900">
-              <a:buFont typeface="+mj-lt"/>
-              <a:buAutoNum type="arabicPeriod"/>
-            </a:pPr>
-            <a:r>
-              <a:rPr lang="en-US" b="1" dirty="0" err="1" smtClean="0">
-                <a:solidFill>
-                  <a:srgbClr val="FF0000"/>
-                </a:solidFill>
-              </a:rPr>
-              <a:t>auth_challenge</a:t>
-            </a:r>
-            <a:endParaRPr lang="en-US" b="1" dirty="0" smtClean="0">
-              <a:solidFill>
-                <a:srgbClr val="FF0000"/>
-              </a:solidFill>
-            </a:endParaRPr>
-          </a:p>
-          <a:p>
-            <a:pPr marL="342900" indent="-342900">
-              <a:buFont typeface="+mj-lt"/>
-              <a:buAutoNum type="arabicPeriod"/>
-            </a:pPr>
-            <a:r>
-              <a:rPr lang="en-US" b="1" dirty="0" err="1" smtClean="0">
-                <a:solidFill>
-                  <a:srgbClr val="FF0000"/>
-                </a:solidFill>
-              </a:rPr>
-              <a:t>auth_response</a:t>
-            </a:r>
-            <a:endParaRPr lang="en-US" b="1" dirty="0">
-              <a:solidFill>
-                <a:srgbClr val="FF0000"/>
-              </a:solidFill>
-            </a:endParaRPr>
-          </a:p>
-        </p:txBody>
-      </p:sp>
     </p:spTree>
     <p:extLst>
       <p:ext uri="{BB962C8B-B14F-4D97-AF65-F5344CB8AC3E}">
-        <p14:creationId xmlns:p14="http://schemas.microsoft.com/office/powerpoint/2010/main" val="1747301746"/>
+        <p14:creationId xmlns:p14="http://schemas.microsoft.com/office/powerpoint/2010/main" xmlns:p="http://schemas.openxmlformats.org/presentationml/2006/main" xmlns:r="http://schemas.openxmlformats.org/officeDocument/2006/relationships" xmlns:a="http://schemas.openxmlformats.org/drawingml/2006/main" xmlns="" val="1747301746"/>
       </p:ext>
     </p:extLst>
   </p:cSld>
@@ -5217,7 +5183,7 @@
   <p:timing>
     <p:tnLst>
       <p:par>
-        <p:cTn xmlns:p14="http://schemas.microsoft.com/office/powerpoint/2010/main" id="1" dur="indefinite" restart="never" nodeType="tmRoot"/>
+        <p:cTn id="1" dur="indefinite" restart="never" nodeType="tmRoot"/>
       </p:par>
     </p:tnLst>
   </p:timing>
@@ -5225,7 +5191,7 @@
 </file>
 
 <file path=ppt/slides/slide6.xml><?xml version="1.0" encoding="utf-8"?>
-<p:sld xmlns:a="http://schemas.openxmlformats.org/drawingml/2006/main" xmlns:r="http://schemas.openxmlformats.org/officeDocument/2006/relationships" xmlns:p="http://schemas.openxmlformats.org/presentationml/2006/main">
+<p:sld xmlns:a="http://schemas.openxmlformats.org/drawingml/2006/main" xmlns:r="http://schemas.openxmlformats.org/officeDocument/2006/relationships" xmlns:mc="http://schemas.openxmlformats.org/markup-compatibility/2006" xmlns:mv="urn:schemas-microsoft-com:mac:vml" xmlns:p="http://schemas.openxmlformats.org/presentationml/2006/main" mc:Ignorable="mv" mc:PreserveAttributes="mv:*">
   <p:cSld>
     <p:spTree>
       <p:nvGrpSpPr>
@@ -5689,8 +5655,8 @@
         </p:nvCxnSpPr>
         <p:spPr>
           <a:xfrm rot="5400000">
-            <a:off x="5426268" y="4107083"/>
-            <a:ext cx="2218351" cy="1045039"/>
+            <a:off x="5269137" y="4264213"/>
+            <a:ext cx="2218351" cy="730778"/>
           </a:xfrm>
           <a:prstGeom prst="bentConnector2">
             <a:avLst/>
@@ -5715,10 +5681,66 @@
           </a:fontRef>
         </p:style>
       </p:cxnSp>
+      <p:sp>
+        <p:nvSpPr>
+          <p:cNvPr id="12" name="TextBox 11"/>
+          <p:cNvSpPr txBox="1"/>
+          <p:nvPr/>
+        </p:nvSpPr>
+        <p:spPr>
+          <a:xfrm>
+            <a:off x="6743701" y="4467186"/>
+            <a:ext cx="2154357" cy="553998"/>
+          </a:xfrm>
+          <a:prstGeom prst="rect">
+            <a:avLst/>
+          </a:prstGeom>
+          <a:noFill/>
+        </p:spPr>
+        <p:txBody>
+          <a:bodyPr wrap="square" rtlCol="0">
+            <a:spAutoFit/>
+          </a:bodyPr>
+          <a:lstStyle/>
+          <a:p>
+            <a:pPr marL="342900" indent="-342900"/>
+            <a:r>
+              <a:rPr lang="en-US" sz="1500" b="1" dirty="0" smtClean="0">
+                <a:solidFill>
+                  <a:srgbClr val="FF0000"/>
+                </a:solidFill>
+                <a:latin typeface="Courier"/>
+                <a:cs typeface="Courier"/>
+              </a:rPr>
+              <a:t>auth_challenge()</a:t>
+            </a:r>
+          </a:p>
+          <a:p>
+            <a:pPr marL="342900" indent="-342900"/>
+            <a:r>
+              <a:rPr lang="en-US" sz="1500" b="1" dirty="0" smtClean="0">
+                <a:solidFill>
+                  <a:srgbClr val="FF0000"/>
+                </a:solidFill>
+                <a:latin typeface="Courier"/>
+                <a:cs typeface="Courier"/>
+              </a:rPr>
+              <a:t>auth_response()</a:t>
+            </a:r>
+            <a:endParaRPr lang="en-US" sz="1500" b="1" dirty="0">
+              <a:solidFill>
+                <a:srgbClr val="FF0000"/>
+              </a:solidFill>
+              <a:latin typeface="Courier"/>
+              <a:cs typeface="Courier"/>
+            </a:endParaRPr>
+          </a:p>
+        </p:txBody>
+      </p:sp>
     </p:spTree>
     <p:extLst>
       <p:ext uri="{BB962C8B-B14F-4D97-AF65-F5344CB8AC3E}">
-        <p14:creationId xmlns:p14="http://schemas.microsoft.com/office/powerpoint/2010/main" val="696431905"/>
+        <p14:creationId xmlns:p14="http://schemas.microsoft.com/office/powerpoint/2010/main" xmlns:p="http://schemas.openxmlformats.org/presentationml/2006/main" xmlns:r="http://schemas.openxmlformats.org/officeDocument/2006/relationships" xmlns:a="http://schemas.openxmlformats.org/drawingml/2006/main" xmlns="" val="696431905"/>
       </p:ext>
     </p:extLst>
   </p:cSld>
@@ -5728,7 +5750,7 @@
   <p:timing>
     <p:tnLst>
       <p:par>
-        <p:cTn xmlns:p14="http://schemas.microsoft.com/office/powerpoint/2010/main" id="1" dur="indefinite" restart="never" nodeType="tmRoot"/>
+        <p:cTn id="1" dur="indefinite" restart="never" nodeType="tmRoot"/>
       </p:par>
     </p:tnLst>
   </p:timing>
@@ -5736,7 +5758,7 @@
 </file>
 
 <file path=ppt/slides/slide7.xml><?xml version="1.0" encoding="utf-8"?>
-<p:sld xmlns:a="http://schemas.openxmlformats.org/drawingml/2006/main" xmlns:r="http://schemas.openxmlformats.org/officeDocument/2006/relationships" xmlns:p="http://schemas.openxmlformats.org/presentationml/2006/main">
+<p:sld xmlns:a="http://schemas.openxmlformats.org/drawingml/2006/main" xmlns:r="http://schemas.openxmlformats.org/officeDocument/2006/relationships" xmlns:mc="http://schemas.openxmlformats.org/markup-compatibility/2006" xmlns:mv="urn:schemas-microsoft-com:mac:vml" xmlns:p="http://schemas.openxmlformats.org/presentationml/2006/main" mc:Ignorable="mv" mc:PreserveAttributes="mv:*">
   <p:cSld>
     <p:spTree>
       <p:nvGrpSpPr>
@@ -5842,7 +5864,6 @@
               <a:rPr lang="en-US" dirty="0" smtClean="0"/>
               <a:t>Signature over the request</a:t>
             </a:r>
-            <a:endParaRPr lang="en-US" dirty="0" smtClean="0"/>
           </a:p>
           <a:p>
             <a:pPr lvl="1"/>
@@ -5853,7 +5874,7 @@
     </p:spTree>
     <p:extLst>
       <p:ext uri="{BB962C8B-B14F-4D97-AF65-F5344CB8AC3E}">
-        <p14:creationId xmlns:p14="http://schemas.microsoft.com/office/powerpoint/2010/main" val="1763409631"/>
+        <p14:creationId xmlns:p14="http://schemas.microsoft.com/office/powerpoint/2010/main" xmlns:p="http://schemas.openxmlformats.org/presentationml/2006/main" xmlns:r="http://schemas.openxmlformats.org/officeDocument/2006/relationships" xmlns:a="http://schemas.openxmlformats.org/drawingml/2006/main" xmlns="" val="1763409631"/>
       </p:ext>
     </p:extLst>
   </p:cSld>
@@ -5863,7 +5884,7 @@
   <p:timing>
     <p:tnLst>
       <p:par>
-        <p:cTn xmlns:p14="http://schemas.microsoft.com/office/powerpoint/2010/main" id="1" dur="indefinite" restart="never" nodeType="tmRoot"/>
+        <p:cTn id="1" dur="indefinite" restart="never" nodeType="tmRoot"/>
       </p:par>
     </p:tnLst>
   </p:timing>
